--- a/Poster.pptx
+++ b/Poster.pptx
@@ -3502,7 +3502,7 @@
           <a:graphicData uri="http://schemas.openxmlformats.org/presentationml/2006/ole">
             <mc:AlternateContent xmlns:mc="http://schemas.openxmlformats.org/markup-compatibility/2006">
               <mc:Choice xmlns:v="urn:schemas-microsoft-com:vml" Requires="v">
-                <p:oleObj spid="_x0000_s1058" name="Equation" r:id="rId4" imgW="774700" imgH="203200" progId="Equation.3">
+                <p:oleObj spid="_x0000_s1059" name="Equation" r:id="rId4" imgW="774700" imgH="203200" progId="Equation.3">
                   <p:embed/>
                 </p:oleObj>
               </mc:Choice>
@@ -4058,30 +4058,6 @@
           </a:p>
         </p:txBody>
       </p:sp>
-      <p:pic>
-        <p:nvPicPr>
-          <p:cNvPr id="15" name="Picture 14"/>
-          <p:cNvPicPr>
-            <a:picLocks noChangeAspect="1"/>
-          </p:cNvPicPr>
-          <p:nvPr/>
-        </p:nvPicPr>
-        <p:blipFill>
-          <a:blip r:embed="rId8"/>
-          <a:stretch>
-            <a:fillRect/>
-          </a:stretch>
-        </p:blipFill>
-        <p:spPr>
-          <a:xfrm>
-            <a:off x="13755084" y="7852945"/>
-            <a:ext cx="12298495" cy="9822536"/>
-          </a:xfrm>
-          <a:prstGeom prst="rect">
-            <a:avLst/>
-          </a:prstGeom>
-        </p:spPr>
-      </p:pic>
       <p:cxnSp>
         <p:nvCxnSpPr>
           <p:cNvPr id="22" name="Straight Connector 21"/>
@@ -4187,85 +4163,85 @@
             </a:r>
             <a:r>
               <a:rPr lang="nl-NL" sz="4000" dirty="0">
+                <a:hlinkClick r:id="rId8"/>
+              </a:rPr>
+              <a:t>http://dl.acm.org/citation.cfm?id=958948</a:t>
+            </a:r>
+            <a:endParaRPr lang="nl-NL" sz="4000" dirty="0"/>
+          </a:p>
+          <a:p>
+            <a:r>
+              <a:rPr lang="en-US" sz="4000" dirty="0" smtClean="0"/>
+              <a:t>When </a:t>
+            </a:r>
+            <a:r>
+              <a:rPr lang="en-US" sz="4000" dirty="0"/>
+              <a:t>is “nearest neighbor” meaningful? </a:t>
+            </a:r>
+            <a:r>
+              <a:rPr lang="nl-NL" sz="4000" dirty="0">
                 <a:hlinkClick r:id="rId9"/>
               </a:rPr>
-              <a:t>http://dl.acm.org/citation.cfm?id=958948</a:t>
-            </a:r>
-            <a:endParaRPr lang="nl-NL" sz="4000" dirty="0"/>
-          </a:p>
-          <a:p>
-            <a:r>
-              <a:rPr lang="en-US" sz="4000" dirty="0" smtClean="0"/>
-              <a:t>When </a:t>
-            </a:r>
-            <a:r>
-              <a:rPr lang="en-US" sz="4000" dirty="0"/>
-              <a:t>is “nearest neighbor” meaningful? </a:t>
+              <a:t>http://link.springer.com/chapter/10.1007/3-540-49257-</a:t>
+            </a:r>
+            <a:r>
+              <a:rPr lang="nl-NL" sz="4000" dirty="0" smtClean="0">
+                <a:hlinkClick r:id="rId9"/>
+              </a:rPr>
+              <a:t>7_15</a:t>
+            </a:r>
+            <a:endParaRPr lang="nl-NL" sz="4000" dirty="0" smtClean="0"/>
+          </a:p>
+          <a:p>
+            <a:r>
+              <a:rPr lang="nl-NL" sz="4000" dirty="0" err="1"/>
+              <a:t>Efficient</a:t>
+            </a:r>
+            <a:r>
+              <a:rPr lang="nl-NL" sz="4000" dirty="0"/>
+              <a:t> parallel </a:t>
+            </a:r>
+            <a:r>
+              <a:rPr lang="nl-NL" sz="4000" dirty="0" err="1"/>
+              <a:t>kNN</a:t>
+            </a:r>
+            <a:r>
+              <a:rPr lang="nl-NL" sz="4000" dirty="0"/>
+              <a:t> </a:t>
+            </a:r>
+            <a:r>
+              <a:rPr lang="nl-NL" sz="4000" dirty="0" err="1"/>
+              <a:t>joins</a:t>
+            </a:r>
+            <a:r>
+              <a:rPr lang="nl-NL" sz="4000" dirty="0"/>
+              <a:t> </a:t>
+            </a:r>
+            <a:r>
+              <a:rPr lang="nl-NL" sz="4000" dirty="0" err="1"/>
+              <a:t>for</a:t>
+            </a:r>
+            <a:r>
+              <a:rPr lang="nl-NL" sz="4000" dirty="0"/>
+              <a:t> large data in </a:t>
+            </a:r>
+            <a:r>
+              <a:rPr lang="nl-NL" sz="4000" dirty="0" err="1"/>
+              <a:t>MapReduce</a:t>
+            </a:r>
+            <a:r>
+              <a:rPr lang="nl-NL" sz="4000" dirty="0"/>
+              <a:t> </a:t>
             </a:r>
             <a:r>
               <a:rPr lang="nl-NL" sz="4000" dirty="0">
                 <a:hlinkClick r:id="rId10"/>
               </a:rPr>
-              <a:t>http://link.springer.com/chapter/10.1007/3-540-49257-</a:t>
+              <a:t>http://dl.acm.org/citation.cfm?id=</a:t>
             </a:r>
             <a:r>
               <a:rPr lang="nl-NL" sz="4000" dirty="0" smtClean="0">
                 <a:hlinkClick r:id="rId10"/>
-              </a:rPr>
-              <a:t>7_15</a:t>
-            </a:r>
-            <a:endParaRPr lang="nl-NL" sz="4000" dirty="0" smtClean="0"/>
-          </a:p>
-          <a:p>
-            <a:r>
-              <a:rPr lang="nl-NL" sz="4000" dirty="0" err="1"/>
-              <a:t>Efficient</a:t>
-            </a:r>
-            <a:r>
-              <a:rPr lang="nl-NL" sz="4000" dirty="0"/>
-              <a:t> parallel </a:t>
-            </a:r>
-            <a:r>
-              <a:rPr lang="nl-NL" sz="4000" dirty="0" err="1"/>
-              <a:t>kNN</a:t>
-            </a:r>
-            <a:r>
-              <a:rPr lang="nl-NL" sz="4000" dirty="0"/>
-              <a:t> </a:t>
-            </a:r>
-            <a:r>
-              <a:rPr lang="nl-NL" sz="4000" dirty="0" err="1"/>
-              <a:t>joins</a:t>
-            </a:r>
-            <a:r>
-              <a:rPr lang="nl-NL" sz="4000" dirty="0"/>
-              <a:t> </a:t>
-            </a:r>
-            <a:r>
-              <a:rPr lang="nl-NL" sz="4000" dirty="0" err="1"/>
-              <a:t>for</a:t>
-            </a:r>
-            <a:r>
-              <a:rPr lang="nl-NL" sz="4000" dirty="0"/>
-              <a:t> large data in </a:t>
-            </a:r>
-            <a:r>
-              <a:rPr lang="nl-NL" sz="4000" dirty="0" err="1"/>
-              <a:t>MapReduce</a:t>
-            </a:r>
-            <a:r>
-              <a:rPr lang="nl-NL" sz="4000" dirty="0"/>
-              <a:t> </a:t>
-            </a:r>
-            <a:r>
-              <a:rPr lang="nl-NL" sz="4000" dirty="0">
-                <a:hlinkClick r:id="rId11"/>
-              </a:rPr>
-              <a:t>http://dl.acm.org/citation.cfm?id=</a:t>
-            </a:r>
-            <a:r>
-              <a:rPr lang="nl-NL" sz="4000" dirty="0" smtClean="0">
-                <a:hlinkClick r:id="rId11"/>
               </a:rPr>
               <a:t>2247602</a:t>
             </a:r>
@@ -4549,6 +4525,30 @@
           </a:p>
         </p:txBody>
       </p:sp>
+      <p:pic>
+        <p:nvPicPr>
+          <p:cNvPr id="28" name="Picture 27"/>
+          <p:cNvPicPr>
+            <a:picLocks noChangeAspect="1"/>
+          </p:cNvPicPr>
+          <p:nvPr/>
+        </p:nvPicPr>
+        <p:blipFill>
+          <a:blip r:embed="rId11"/>
+          <a:stretch>
+            <a:fillRect/>
+          </a:stretch>
+        </p:blipFill>
+        <p:spPr>
+          <a:xfrm>
+            <a:off x="14239031" y="8456815"/>
+            <a:ext cx="10467613" cy="9131156"/>
+          </a:xfrm>
+          <a:prstGeom prst="rect">
+            <a:avLst/>
+          </a:prstGeom>
+        </p:spPr>
+      </p:pic>
     </p:spTree>
   </p:cSld>
   <p:clrMapOvr>
